--- a/Documents/校内予選/ver1.6.pptx
+++ b/Documents/校内予選/ver1.6.pptx
@@ -1239,6 +1239,13 @@
         </dgm:presLayoutVars>
       </dgm:prSet>
       <dgm:spPr/>
+      <dgm:t>
+        <a:bodyPr/>
+        <a:lstStyle/>
+        <a:p>
+          <a:endParaRPr kumimoji="1" lang="ja-JP" altLang="en-US"/>
+        </a:p>
+      </dgm:t>
     </dgm:pt>
     <dgm:pt modelId="{D86D722D-6070-4A6E-BFE4-276D8D35AF07}" type="pres">
       <dgm:prSet presAssocID="{F51ADF31-BE7C-4E79-AD7F-6D2AA00823DF}" presName="composite" presStyleCnt="0"/>
@@ -1252,6 +1259,13 @@
         </dgm:presLayoutVars>
       </dgm:prSet>
       <dgm:spPr/>
+      <dgm:t>
+        <a:bodyPr/>
+        <a:lstStyle/>
+        <a:p>
+          <a:endParaRPr kumimoji="1" lang="ja-JP" altLang="en-US"/>
+        </a:p>
+      </dgm:t>
     </dgm:pt>
     <dgm:pt modelId="{3534F159-0C20-4E5F-AA1E-E1B595C30157}" type="pres">
       <dgm:prSet presAssocID="{F51ADF31-BE7C-4E79-AD7F-6D2AA00823DF}" presName="descendantText" presStyleLbl="alignAcc1" presStyleIdx="0" presStyleCnt="3" custLinFactNeighborX="15259" custLinFactNeighborY="-1455">
@@ -1284,6 +1298,13 @@
         </dgm:presLayoutVars>
       </dgm:prSet>
       <dgm:spPr/>
+      <dgm:t>
+        <a:bodyPr/>
+        <a:lstStyle/>
+        <a:p>
+          <a:endParaRPr kumimoji="1" lang="ja-JP" altLang="en-US"/>
+        </a:p>
+      </dgm:t>
     </dgm:pt>
     <dgm:pt modelId="{B2C3E0DE-8664-4F2B-8BF1-7A0F26EA5125}" type="pres">
       <dgm:prSet presAssocID="{D8B59AF3-D9E2-4766-BEAB-24605B77C973}" presName="descendantText" presStyleLbl="alignAcc1" presStyleIdx="1" presStyleCnt="3">
@@ -1316,6 +1337,13 @@
         </dgm:presLayoutVars>
       </dgm:prSet>
       <dgm:spPr/>
+      <dgm:t>
+        <a:bodyPr/>
+        <a:lstStyle/>
+        <a:p>
+          <a:endParaRPr kumimoji="1" lang="ja-JP" altLang="en-US"/>
+        </a:p>
+      </dgm:t>
     </dgm:pt>
     <dgm:pt modelId="{FC177ED6-788A-43B3-90A3-B5F2194C3DB3}" type="pres">
       <dgm:prSet presAssocID="{C7E0BF07-73A7-43EA-8015-A2D51E415A4D}" presName="descendantText" presStyleLbl="alignAcc1" presStyleIdx="2" presStyleCnt="3">
@@ -6892,6 +6920,36 @@
           </a:p>
         </p:txBody>
       </p:sp>
+      <p:pic>
+        <p:nvPicPr>
+          <p:cNvPr id="4" name="図 3"/>
+          <p:cNvPicPr>
+            <a:picLocks noChangeAspect="1"/>
+          </p:cNvPicPr>
+          <p:nvPr/>
+        </p:nvPicPr>
+        <p:blipFill>
+          <a:blip r:embed="rId2" cstate="print">
+            <a:extLst>
+              <a:ext uri="{28A0092B-C50C-407E-A947-70E740481C1C}">
+                <a14:useLocalDpi xmlns:a14="http://schemas.microsoft.com/office/drawing/2010/main" val="0"/>
+              </a:ext>
+            </a:extLst>
+          </a:blip>
+          <a:stretch>
+            <a:fillRect/>
+          </a:stretch>
+        </p:blipFill>
+        <p:spPr>
+          <a:xfrm>
+            <a:off x="51758" y="2141098"/>
+            <a:ext cx="9790981" cy="3657543"/>
+          </a:xfrm>
+          <a:prstGeom prst="rect">
+            <a:avLst/>
+          </a:prstGeom>
+        </p:spPr>
+      </p:pic>
     </p:spTree>
     <p:extLst>
       <p:ext uri="{BB962C8B-B14F-4D97-AF65-F5344CB8AC3E}">
@@ -7290,17 +7348,7 @@
                 <a:latin typeface="FOT-ニューロダン Pro M" panose="02020600000000000000" pitchFamily="18" charset="-128"/>
                 <a:ea typeface="FOT-ニューロダン Pro M" panose="02020600000000000000" pitchFamily="18" charset="-128"/>
               </a:rPr>
-              <a:t>グループ</a:t>
-            </a:r>
-            <a:r>
-              <a:rPr kumimoji="1" lang="ja-JP" altLang="en-US" sz="1600" dirty="0" smtClean="0">
-                <a:solidFill>
-                  <a:srgbClr val="00B050"/>
-                </a:solidFill>
-                <a:latin typeface="FOT-ニューロダン Pro M" panose="02020600000000000000" pitchFamily="18" charset="-128"/>
-                <a:ea typeface="FOT-ニューロダン Pro M" panose="02020600000000000000" pitchFamily="18" charset="-128"/>
-              </a:rPr>
-              <a:t>作成</a:t>
+              <a:t>グループ作成</a:t>
             </a:r>
             <a:r>
               <a:rPr kumimoji="1" lang="ja-JP" altLang="en-US" sz="1600" dirty="0" smtClean="0">
@@ -7382,14 +7430,7 @@
                 <a:latin typeface="FOT-ニューロダン Pro M" panose="02020600000000000000" pitchFamily="18" charset="-128"/>
                 <a:ea typeface="FOT-ニューロダン Pro M" panose="02020600000000000000" pitchFamily="18" charset="-128"/>
               </a:rPr>
-              <a:t>が起動</a:t>
-            </a:r>
-            <a:r>
-              <a:rPr lang="ja-JP" altLang="en-US" sz="1600" dirty="0" smtClean="0">
-                <a:latin typeface="FOT-ニューロダン Pro M" panose="02020600000000000000" pitchFamily="18" charset="-128"/>
-                <a:ea typeface="FOT-ニューロダン Pro M" panose="02020600000000000000" pitchFamily="18" charset="-128"/>
-              </a:rPr>
-              <a:t>した状態でノイズを認識した</a:t>
+              <a:t>が起動した状態でノイズを認識した</a:t>
             </a:r>
             <a:r>
               <a:rPr lang="en-US" altLang="ja-JP" sz="1600" dirty="0" smtClean="0">
@@ -7409,14 +7450,7 @@
                 <a:latin typeface="FOT-ニューロダン Pro M" panose="02020600000000000000" pitchFamily="18" charset="-128"/>
                 <a:ea typeface="FOT-ニューロダン Pro M" panose="02020600000000000000" pitchFamily="18" charset="-128"/>
               </a:rPr>
-              <a:t>スマートフォン</a:t>
-            </a:r>
-            <a:r>
-              <a:rPr lang="ja-JP" altLang="en-US" sz="1600" dirty="0" smtClean="0">
-                <a:latin typeface="FOT-ニューロダン Pro M" panose="02020600000000000000" pitchFamily="18" charset="-128"/>
-                <a:ea typeface="FOT-ニューロダン Pro M" panose="02020600000000000000" pitchFamily="18" charset="-128"/>
-              </a:rPr>
-              <a:t>の</a:t>
+              <a:t>スマートフォンの</a:t>
             </a:r>
             <a:r>
               <a:rPr lang="ja-JP" altLang="en-US" sz="1600" dirty="0" smtClean="0">
@@ -7937,21 +7971,7 @@
                 <a:latin typeface="FOT-ニューセザンヌ Pro M" panose="02020600000000000000" pitchFamily="18" charset="-128"/>
                 <a:ea typeface="FOT-ニューセザンヌ Pro M" panose="02020600000000000000" pitchFamily="18" charset="-128"/>
               </a:rPr>
-              <a:t>リーダー</a:t>
-            </a:r>
-            <a:r>
-              <a:rPr lang="ja-JP" altLang="en-US" sz="1400" dirty="0" smtClean="0">
-                <a:latin typeface="FOT-ニューセザンヌ Pro M" panose="02020600000000000000" pitchFamily="18" charset="-128"/>
-                <a:ea typeface="FOT-ニューセザンヌ Pro M" panose="02020600000000000000" pitchFamily="18" charset="-128"/>
-              </a:rPr>
-              <a:t>はメンバーの整理，グループ</a:t>
-            </a:r>
-            <a:r>
-              <a:rPr lang="ja-JP" altLang="en-US" sz="1400" dirty="0" smtClean="0">
-                <a:latin typeface="FOT-ニューセザンヌ Pro M" panose="02020600000000000000" pitchFamily="18" charset="-128"/>
-                <a:ea typeface="FOT-ニューセザンヌ Pro M" panose="02020600000000000000" pitchFamily="18" charset="-128"/>
-              </a:rPr>
-              <a:t>の削除をすることができる</a:t>
+              <a:t>リーダーはメンバーの整理，グループの削除をすることができる</a:t>
             </a:r>
             <a:endParaRPr kumimoji="1" lang="ja-JP" altLang="en-US" sz="1400" dirty="0">
               <a:latin typeface="FOT-ニューセザンヌ Pro M" panose="02020600000000000000" pitchFamily="18" charset="-128"/>
@@ -8024,14 +8044,7 @@
                 <a:latin typeface="FOT-ロダンNTLG Pro M" panose="02020600000000000000" pitchFamily="18" charset="-128"/>
                 <a:ea typeface="FOT-ロダンNTLG Pro M" panose="02020600000000000000" pitchFamily="18" charset="-128"/>
               </a:rPr>
-              <a:t>開発・動作</a:t>
-            </a:r>
-            <a:r>
-              <a:rPr kumimoji="1" lang="ja-JP" altLang="en-US" sz="4800" dirty="0" smtClean="0">
-                <a:latin typeface="FOT-ロダンNTLG Pro M" panose="02020600000000000000" pitchFamily="18" charset="-128"/>
-                <a:ea typeface="FOT-ロダンNTLG Pro M" panose="02020600000000000000" pitchFamily="18" charset="-128"/>
-              </a:rPr>
-              <a:t>環境，開発予定</a:t>
+              <a:t>開発・動作環境，開発予定</a:t>
             </a:r>
             <a:endParaRPr kumimoji="1" lang="ja-JP" altLang="en-US" sz="4800" dirty="0">
               <a:latin typeface="FOT-ロダンNTLG Pro M" panose="02020600000000000000" pitchFamily="18" charset="-128"/>
@@ -10281,14 +10294,7 @@
                 <a:latin typeface="FOT-ニューロダン Pro M" panose="02020600000000000000" pitchFamily="18" charset="-128"/>
                 <a:ea typeface="FOT-ニューロダン Pro M" panose="02020600000000000000" pitchFamily="18" charset="-128"/>
               </a:rPr>
-              <a:t>スマートフォンを使って，</a:t>
-            </a:r>
-            <a:r>
-              <a:rPr lang="ja-JP" altLang="en-US" sz="1600" dirty="0" smtClean="0">
-                <a:latin typeface="FOT-ニューロダン Pro M" panose="02020600000000000000" pitchFamily="18" charset="-128"/>
-                <a:ea typeface="FOT-ニューロダン Pro M" panose="02020600000000000000" pitchFamily="18" charset="-128"/>
-              </a:rPr>
-              <a:t>一斉に連絡をとろうとする時，</a:t>
+              <a:t>スマートフォンを使って，一斉に連絡をとろうとする時，</a:t>
             </a:r>
             <a:r>
               <a:rPr lang="en-US" altLang="ja-JP" sz="1600" dirty="0" smtClean="0">
@@ -11137,14 +11143,7 @@
                 <a:latin typeface="FOT-ニューロダン Pro M" panose="02020600000000000000" pitchFamily="18" charset="-128"/>
                 <a:ea typeface="FOT-ニューロダン Pro M" panose="02020600000000000000" pitchFamily="18" charset="-128"/>
               </a:rPr>
-              <a:t>ができます</a:t>
-            </a:r>
-            <a:r>
-              <a:rPr lang="ja-JP" altLang="en-US" sz="1600" dirty="0" smtClean="0">
-                <a:latin typeface="FOT-ニューロダン Pro M" panose="02020600000000000000" pitchFamily="18" charset="-128"/>
-                <a:ea typeface="FOT-ニューロダン Pro M" panose="02020600000000000000" pitchFamily="18" charset="-128"/>
-              </a:rPr>
-              <a:t>。</a:t>
+              <a:t>ができます。</a:t>
             </a:r>
             <a:endParaRPr lang="en-US" altLang="ja-JP" sz="1600" dirty="0">
               <a:latin typeface="FOT-ニューロダン Pro M" panose="02020600000000000000" pitchFamily="18" charset="-128"/>
@@ -11173,14 +11172,7 @@
                 <a:latin typeface="FOT-ニューロダン Pro M" panose="02020600000000000000" pitchFamily="18" charset="-128"/>
                 <a:ea typeface="FOT-ニューロダン Pro M" panose="02020600000000000000" pitchFamily="18" charset="-128"/>
               </a:rPr>
-              <a:t>機能を使えば</a:t>
-            </a:r>
-            <a:r>
-              <a:rPr lang="ja-JP" altLang="en-US" sz="1600" dirty="0" smtClean="0">
-                <a:latin typeface="FOT-ニューロダン Pro M" panose="02020600000000000000" pitchFamily="18" charset="-128"/>
-                <a:ea typeface="FOT-ニューロダン Pro M" panose="02020600000000000000" pitchFamily="18" charset="-128"/>
-              </a:rPr>
-              <a:t>，メンバー全員に</a:t>
+              <a:t>機能を使えば，メンバー全員に</a:t>
             </a:r>
             <a:r>
               <a:rPr lang="ja-JP" altLang="en-US" sz="1600" dirty="0" smtClean="0">
@@ -11237,14 +11229,7 @@
                 <a:latin typeface="FOT-ニューロダン Pro M" panose="02020600000000000000" pitchFamily="18" charset="-128"/>
                 <a:ea typeface="FOT-ニューロダン Pro M" panose="02020600000000000000" pitchFamily="18" charset="-128"/>
               </a:rPr>
-              <a:t>重要</a:t>
-            </a:r>
-            <a:r>
-              <a:rPr lang="ja-JP" altLang="en-US" sz="1600" dirty="0" smtClean="0">
-                <a:latin typeface="FOT-ニューロダン Pro M" panose="02020600000000000000" pitchFamily="18" charset="-128"/>
-                <a:ea typeface="FOT-ニューロダン Pro M" panose="02020600000000000000" pitchFamily="18" charset="-128"/>
-              </a:rPr>
-              <a:t>なメッセージは</a:t>
+              <a:t>重要なメッセージは</a:t>
             </a:r>
             <a:r>
               <a:rPr lang="ja-JP" altLang="en-US" sz="1600" dirty="0" smtClean="0">
@@ -11278,14 +11263,7 @@
                 <a:latin typeface="FOT-ニューロダン Pro M" panose="02020600000000000000" pitchFamily="18" charset="-128"/>
                 <a:ea typeface="FOT-ニューロダン Pro M" panose="02020600000000000000" pitchFamily="18" charset="-128"/>
               </a:rPr>
-              <a:t>する</a:t>
-            </a:r>
-            <a:r>
-              <a:rPr lang="ja-JP" altLang="en-US" sz="1600" dirty="0" smtClean="0">
-                <a:latin typeface="FOT-ニューロダン Pro M" panose="02020600000000000000" pitchFamily="18" charset="-128"/>
-                <a:ea typeface="FOT-ニューロダン Pro M" panose="02020600000000000000" pitchFamily="18" charset="-128"/>
-              </a:rPr>
-              <a:t>こともできます。</a:t>
+              <a:t>することもできます。</a:t>
             </a:r>
             <a:endParaRPr lang="en-US" altLang="ja-JP" sz="1600" dirty="0" smtClean="0">
               <a:latin typeface="FOT-ニューロダン Pro M" panose="02020600000000000000" pitchFamily="18" charset="-128"/>
@@ -11410,14 +11388,7 @@
                 <a:latin typeface="FOT-ニューロダン Pro M" panose="02020600000000000000" pitchFamily="18" charset="-128"/>
                 <a:ea typeface="FOT-ニューロダン Pro M" panose="02020600000000000000" pitchFamily="18" charset="-128"/>
               </a:rPr>
-              <a:t>，アラーム共有機能をつかえば</a:t>
-            </a:r>
-            <a:r>
-              <a:rPr lang="ja-JP" altLang="en-US" sz="1600" dirty="0" smtClean="0">
-                <a:latin typeface="FOT-ニューロダン Pro M" panose="02020600000000000000" pitchFamily="18" charset="-128"/>
-                <a:ea typeface="FOT-ニューロダン Pro M" panose="02020600000000000000" pitchFamily="18" charset="-128"/>
-              </a:rPr>
-              <a:t>，</a:t>
+              <a:t>，アラーム共有機能をつかえば，</a:t>
             </a:r>
             <a:r>
               <a:rPr lang="en-US" altLang="ja-JP" sz="1600" dirty="0">
@@ -11474,14 +11445,7 @@
                 <a:latin typeface="FOT-ニューロダン Pro M" panose="02020600000000000000" pitchFamily="18" charset="-128"/>
                 <a:ea typeface="FOT-ニューロダン Pro M" panose="02020600000000000000" pitchFamily="18" charset="-128"/>
               </a:rPr>
-              <a:t>伝えることができます</a:t>
-            </a:r>
-            <a:r>
-              <a:rPr lang="ja-JP" altLang="en-US" sz="1600" dirty="0" smtClean="0">
-                <a:latin typeface="FOT-ニューロダン Pro M" panose="02020600000000000000" pitchFamily="18" charset="-128"/>
-                <a:ea typeface="FOT-ニューロダン Pro M" panose="02020600000000000000" pitchFamily="18" charset="-128"/>
-              </a:rPr>
-              <a:t>。</a:t>
+              <a:t>伝えることができます。</a:t>
             </a:r>
             <a:endParaRPr lang="en-US" altLang="ja-JP" sz="1600" dirty="0" smtClean="0">
               <a:latin typeface="FOT-ニューロダン Pro M" panose="02020600000000000000" pitchFamily="18" charset="-128"/>
@@ -11826,77 +11790,21 @@
                 <a:latin typeface="FOT-ニューロダン Pro M" panose="02020600000000000000" pitchFamily="18" charset="-128"/>
                 <a:ea typeface="FOT-ニューロダン Pro M" panose="02020600000000000000" pitchFamily="18" charset="-128"/>
               </a:rPr>
-              <a:t>メンバー</a:t>
+              <a:t>メンバーの</a:t>
+            </a:r>
+            <a:r>
+              <a:rPr lang="en-US" altLang="ja-JP" sz="1600" dirty="0" smtClean="0">
+                <a:latin typeface="FOT-ニューロダン Pro M" panose="02020600000000000000" pitchFamily="18" charset="-128"/>
+                <a:ea typeface="FOT-ニューロダン Pro M" panose="02020600000000000000" pitchFamily="18" charset="-128"/>
+              </a:rPr>
+              <a:t>1</a:t>
             </a:r>
             <a:r>
               <a:rPr lang="ja-JP" altLang="en-US" sz="1600" dirty="0" smtClean="0">
                 <a:latin typeface="FOT-ニューロダン Pro M" panose="02020600000000000000" pitchFamily="18" charset="-128"/>
                 <a:ea typeface="FOT-ニューロダン Pro M" panose="02020600000000000000" pitchFamily="18" charset="-128"/>
               </a:rPr>
-              <a:t>の</a:t>
-            </a:r>
-            <a:r>
-              <a:rPr lang="en-US" altLang="ja-JP" sz="1600" dirty="0" smtClean="0">
-                <a:latin typeface="FOT-ニューロダン Pro M" panose="02020600000000000000" pitchFamily="18" charset="-128"/>
-                <a:ea typeface="FOT-ニューロダン Pro M" panose="02020600000000000000" pitchFamily="18" charset="-128"/>
-              </a:rPr>
-              <a:t>1</a:t>
-            </a:r>
-            <a:r>
-              <a:rPr lang="ja-JP" altLang="en-US" sz="1600" dirty="0" smtClean="0">
-                <a:latin typeface="FOT-ニューロダン Pro M" panose="02020600000000000000" pitchFamily="18" charset="-128"/>
-                <a:ea typeface="FOT-ニューロダン Pro M" panose="02020600000000000000" pitchFamily="18" charset="-128"/>
-              </a:rPr>
-              <a:t>人が，アプリ上で</a:t>
-            </a:r>
-            <a:r>
-              <a:rPr lang="ja-JP" altLang="en-US" sz="1600" dirty="0" smtClean="0">
-                <a:latin typeface="FOT-ニューロダン Pro M" panose="02020600000000000000" pitchFamily="18" charset="-128"/>
-                <a:ea typeface="FOT-ニューロダン Pro M" panose="02020600000000000000" pitchFamily="18" charset="-128"/>
-              </a:rPr>
-              <a:t>アラームを</a:t>
-            </a:r>
-            <a:r>
-              <a:rPr lang="ja-JP" altLang="en-US" sz="1600" dirty="0" smtClean="0">
-                <a:latin typeface="FOT-ニューロダン Pro M" panose="02020600000000000000" pitchFamily="18" charset="-128"/>
-                <a:ea typeface="FOT-ニューロダン Pro M" panose="02020600000000000000" pitchFamily="18" charset="-128"/>
-              </a:rPr>
-              <a:t>設定することで</a:t>
-            </a:r>
-            <a:r>
-              <a:rPr lang="ja-JP" altLang="en-US" sz="1600" dirty="0" smtClean="0">
-                <a:latin typeface="FOT-ニューロダン Pro M" panose="02020600000000000000" pitchFamily="18" charset="-128"/>
-                <a:ea typeface="FOT-ニューロダン Pro M" panose="02020600000000000000" pitchFamily="18" charset="-128"/>
-              </a:rPr>
-              <a:t>，他</a:t>
-            </a:r>
-            <a:r>
-              <a:rPr lang="ja-JP" altLang="en-US" sz="1600" dirty="0" smtClean="0">
-                <a:latin typeface="FOT-ニューロダン Pro M" panose="02020600000000000000" pitchFamily="18" charset="-128"/>
-                <a:ea typeface="FOT-ニューロダン Pro M" panose="02020600000000000000" pitchFamily="18" charset="-128"/>
-              </a:rPr>
-              <a:t>の</a:t>
-            </a:r>
-            <a:r>
-              <a:rPr lang="ja-JP" altLang="en-US" sz="1600" dirty="0" smtClean="0">
-                <a:latin typeface="FOT-ニューロダン Pro M" panose="02020600000000000000" pitchFamily="18" charset="-128"/>
-                <a:ea typeface="FOT-ニューロダン Pro M" panose="02020600000000000000" pitchFamily="18" charset="-128"/>
-              </a:rPr>
-              <a:t>メンバーにも共有</a:t>
-            </a:r>
-            <a:r>
-              <a:rPr lang="ja-JP" altLang="en-US" sz="1600" dirty="0" smtClean="0">
-                <a:latin typeface="FOT-ニューロダン Pro M" panose="02020600000000000000" pitchFamily="18" charset="-128"/>
-                <a:ea typeface="FOT-ニューロダン Pro M" panose="02020600000000000000" pitchFamily="18" charset="-128"/>
-              </a:rPr>
-              <a:t>されます</a:t>
-            </a:r>
-            <a:r>
-              <a:rPr lang="ja-JP" altLang="en-US" sz="1600" dirty="0" smtClean="0">
-                <a:latin typeface="FOT-ニューロダン Pro M" panose="02020600000000000000" pitchFamily="18" charset="-128"/>
-                <a:ea typeface="FOT-ニューロダン Pro M" panose="02020600000000000000" pitchFamily="18" charset="-128"/>
-              </a:rPr>
-              <a:t>。</a:t>
+              <a:t>人が，アプリ上でアラームを設定することで，他のメンバーにも共有されます。</a:t>
             </a:r>
             <a:r>
               <a:rPr lang="en-US" altLang="ja-JP" sz="1600" dirty="0" smtClean="0">
@@ -11976,14 +11884,7 @@
                 <a:latin typeface="FOT-ニューロダン Pro M" panose="02020600000000000000" pitchFamily="18" charset="-128"/>
                 <a:ea typeface="FOT-ニューロダン Pro M" panose="02020600000000000000" pitchFamily="18" charset="-128"/>
               </a:rPr>
-              <a:t>することができます</a:t>
-            </a:r>
-            <a:r>
-              <a:rPr lang="ja-JP" altLang="en-US" sz="1600" dirty="0" smtClean="0">
-                <a:latin typeface="FOT-ニューロダン Pro M" panose="02020600000000000000" pitchFamily="18" charset="-128"/>
-                <a:ea typeface="FOT-ニューロダン Pro M" panose="02020600000000000000" pitchFamily="18" charset="-128"/>
-              </a:rPr>
-              <a:t>。</a:t>
+              <a:t>することができます。</a:t>
             </a:r>
             <a:r>
               <a:rPr lang="en-US" altLang="ja-JP" sz="1600" dirty="0" smtClean="0">
@@ -12003,21 +11904,7 @@
                 <a:latin typeface="FOT-ニューロダン Pro M" panose="02020600000000000000" pitchFamily="18" charset="-128"/>
                 <a:ea typeface="FOT-ニューロダン Pro M" panose="02020600000000000000" pitchFamily="18" charset="-128"/>
               </a:rPr>
-              <a:t>例えば</a:t>
-            </a:r>
-            <a:r>
-              <a:rPr lang="ja-JP" altLang="en-US" sz="1600" dirty="0" smtClean="0">
-                <a:latin typeface="FOT-ニューロダン Pro M" panose="02020600000000000000" pitchFamily="18" charset="-128"/>
-                <a:ea typeface="FOT-ニューロダン Pro M" panose="02020600000000000000" pitchFamily="18" charset="-128"/>
-              </a:rPr>
-              <a:t>，目覚ましの時刻を共有していた時，どのメンバーが起床していて</a:t>
-            </a:r>
-            <a:r>
-              <a:rPr lang="ja-JP" altLang="en-US" sz="1600" dirty="0" smtClean="0">
-                <a:latin typeface="FOT-ニューロダン Pro M" panose="02020600000000000000" pitchFamily="18" charset="-128"/>
-                <a:ea typeface="FOT-ニューロダン Pro M" panose="02020600000000000000" pitchFamily="18" charset="-128"/>
-              </a:rPr>
-              <a:t>，</a:t>
+              <a:t>例えば，目覚ましの時刻を共有していた時，どのメンバーが起床していて，</a:t>
             </a:r>
             <a:r>
               <a:rPr lang="en-US" altLang="ja-JP" sz="1600" dirty="0" smtClean="0">
@@ -12037,14 +11924,7 @@
                 <a:latin typeface="FOT-ニューロダン Pro M" panose="02020600000000000000" pitchFamily="18" charset="-128"/>
                 <a:ea typeface="FOT-ニューロダン Pro M" panose="02020600000000000000" pitchFamily="18" charset="-128"/>
               </a:rPr>
-              <a:t>どのメンバーが</a:t>
-            </a:r>
-            <a:r>
-              <a:rPr lang="ja-JP" altLang="en-US" sz="1600" dirty="0" smtClean="0">
-                <a:latin typeface="FOT-ニューロダン Pro M" panose="02020600000000000000" pitchFamily="18" charset="-128"/>
-                <a:ea typeface="FOT-ニューロダン Pro M" panose="02020600000000000000" pitchFamily="18" charset="-128"/>
-              </a:rPr>
-              <a:t>起床していないかなどです。</a:t>
+              <a:t>どのメンバーが起床していないかなどです。</a:t>
             </a:r>
             <a:endParaRPr lang="en-US" altLang="ja-JP" sz="1600" dirty="0">
               <a:latin typeface="FOT-ニューロダン Pro M" panose="02020600000000000000" pitchFamily="18" charset="-128"/>
@@ -12066,49 +11946,21 @@
                 <a:latin typeface="FOT-ニューロダン Pro M" panose="02020600000000000000" pitchFamily="18" charset="-128"/>
                 <a:ea typeface="FOT-ニューロダン Pro M" panose="02020600000000000000" pitchFamily="18" charset="-128"/>
               </a:rPr>
-              <a:t>必要に応じて任意のメンバー</a:t>
+              <a:t>必要に応じて任意のメンバーへアラーム配信を</a:t>
+            </a:r>
+            <a:r>
+              <a:rPr lang="ja-JP" altLang="en-US" sz="1600" dirty="0">
+                <a:latin typeface="FOT-ニューロダン Pro M" panose="02020600000000000000" pitchFamily="18" charset="-128"/>
+                <a:ea typeface="FOT-ニューロダン Pro M" panose="02020600000000000000" pitchFamily="18" charset="-128"/>
+              </a:rPr>
+              <a:t>する</a:t>
             </a:r>
             <a:r>
               <a:rPr lang="ja-JP" altLang="en-US" sz="1600" dirty="0" smtClean="0">
                 <a:latin typeface="FOT-ニューロダン Pro M" panose="02020600000000000000" pitchFamily="18" charset="-128"/>
                 <a:ea typeface="FOT-ニューロダン Pro M" panose="02020600000000000000" pitchFamily="18" charset="-128"/>
               </a:rPr>
-              <a:t>へアラーム</a:t>
-            </a:r>
-            <a:r>
-              <a:rPr lang="ja-JP" altLang="en-US" sz="1600" dirty="0" smtClean="0">
-                <a:latin typeface="FOT-ニューロダン Pro M" panose="02020600000000000000" pitchFamily="18" charset="-128"/>
-                <a:ea typeface="FOT-ニューロダン Pro M" panose="02020600000000000000" pitchFamily="18" charset="-128"/>
-              </a:rPr>
-              <a:t>配信を</a:t>
-            </a:r>
-            <a:r>
-              <a:rPr lang="ja-JP" altLang="en-US" sz="1600" dirty="0">
-                <a:latin typeface="FOT-ニューロダン Pro M" panose="02020600000000000000" pitchFamily="18" charset="-128"/>
-                <a:ea typeface="FOT-ニューロダン Pro M" panose="02020600000000000000" pitchFamily="18" charset="-128"/>
-              </a:rPr>
-              <a:t>する</a:t>
-            </a:r>
-            <a:r>
-              <a:rPr lang="ja-JP" altLang="en-US" sz="1600" dirty="0" smtClean="0">
-                <a:latin typeface="FOT-ニューロダン Pro M" panose="02020600000000000000" pitchFamily="18" charset="-128"/>
-                <a:ea typeface="FOT-ニューロダン Pro M" panose="02020600000000000000" pitchFamily="18" charset="-128"/>
-              </a:rPr>
-              <a:t>こと</a:t>
-            </a:r>
-            <a:r>
-              <a:rPr lang="ja-JP" altLang="en-US" sz="1600" dirty="0" smtClean="0">
-                <a:latin typeface="FOT-ニューロダン Pro M" panose="02020600000000000000" pitchFamily="18" charset="-128"/>
-                <a:ea typeface="FOT-ニューロダン Pro M" panose="02020600000000000000" pitchFamily="18" charset="-128"/>
-              </a:rPr>
-              <a:t>も可能</a:t>
-            </a:r>
-            <a:r>
-              <a:rPr lang="ja-JP" altLang="en-US" sz="1600" dirty="0" smtClean="0">
-                <a:latin typeface="FOT-ニューロダン Pro M" panose="02020600000000000000" pitchFamily="18" charset="-128"/>
-                <a:ea typeface="FOT-ニューロダン Pro M" panose="02020600000000000000" pitchFamily="18" charset="-128"/>
-              </a:rPr>
-              <a:t>です。</a:t>
+              <a:t>ことも可能です。</a:t>
             </a:r>
             <a:endParaRPr lang="en-US" altLang="ja-JP" sz="1600" dirty="0" smtClean="0">
               <a:latin typeface="FOT-ニューロダン Pro M" panose="02020600000000000000" pitchFamily="18" charset="-128"/>
@@ -12130,21 +11982,7 @@
                 <a:latin typeface="FOT-ニューロダン Pro M" panose="02020600000000000000" pitchFamily="18" charset="-128"/>
                 <a:ea typeface="FOT-ニューロダン Pro M" panose="02020600000000000000" pitchFamily="18" charset="-128"/>
               </a:rPr>
-              <a:t>いま</a:t>
-            </a:r>
-            <a:r>
-              <a:rPr lang="ja-JP" altLang="en-US" sz="2400" dirty="0" smtClean="0">
-                <a:latin typeface="FOT-ニューロダン Pro M" panose="02020600000000000000" pitchFamily="18" charset="-128"/>
-                <a:ea typeface="FOT-ニューロダン Pro M" panose="02020600000000000000" pitchFamily="18" charset="-128"/>
-              </a:rPr>
-              <a:t>まで</a:t>
-            </a:r>
-            <a:r>
-              <a:rPr lang="ja-JP" altLang="en-US" sz="2400" dirty="0" smtClean="0">
-                <a:latin typeface="FOT-ニューロダン Pro M" panose="02020600000000000000" pitchFamily="18" charset="-128"/>
-                <a:ea typeface="FOT-ニューロダン Pro M" panose="02020600000000000000" pitchFamily="18" charset="-128"/>
-              </a:rPr>
-              <a:t>の</a:t>
+              <a:t>いままでの</a:t>
             </a:r>
             <a:r>
               <a:rPr lang="ja-JP" altLang="en-US" sz="2400" dirty="0" smtClean="0">
@@ -12154,48 +11992,14 @@
                 <a:latin typeface="FOT-ニューロダン Pro M" panose="02020600000000000000" pitchFamily="18" charset="-128"/>
                 <a:ea typeface="FOT-ニューロダン Pro M" panose="02020600000000000000" pitchFamily="18" charset="-128"/>
               </a:rPr>
-              <a:t>「</a:t>
+              <a:t>「面倒くさい」を解決</a:t>
             </a:r>
             <a:r>
               <a:rPr lang="ja-JP" altLang="en-US" sz="2400" dirty="0" smtClean="0">
-                <a:solidFill>
-                  <a:srgbClr val="CC33CC"/>
-                </a:solidFill>
-                <a:latin typeface="FOT-ニューロダン Pro M" panose="02020600000000000000" pitchFamily="18" charset="-128"/>
-                <a:ea typeface="FOT-ニューロダン Pro M" panose="02020600000000000000" pitchFamily="18" charset="-128"/>
-              </a:rPr>
-              <a:t>面倒くさい」</a:t>
-            </a:r>
-            <a:r>
-              <a:rPr lang="ja-JP" altLang="en-US" sz="2400" dirty="0" smtClean="0">
-                <a:solidFill>
-                  <a:srgbClr val="CC33CC"/>
-                </a:solidFill>
-                <a:latin typeface="FOT-ニューロダン Pro M" panose="02020600000000000000" pitchFamily="18" charset="-128"/>
-                <a:ea typeface="FOT-ニューロダン Pro M" panose="02020600000000000000" pitchFamily="18" charset="-128"/>
-              </a:rPr>
-              <a:t>を解決</a:t>
-            </a:r>
-            <a:r>
-              <a:rPr lang="ja-JP" altLang="en-US" sz="2400" dirty="0" smtClean="0">
-                <a:latin typeface="FOT-ニューロダン Pro M" panose="02020600000000000000" pitchFamily="18" charset="-128"/>
-                <a:ea typeface="FOT-ニューロダン Pro M" panose="02020600000000000000" pitchFamily="18" charset="-128"/>
-              </a:rPr>
-              <a:t>できる</a:t>
-            </a:r>
-            <a:r>
-              <a:rPr lang="ja-JP" altLang="en-US" sz="2400" dirty="0" smtClean="0">
-                <a:latin typeface="FOT-ニューロダン Pro M" panose="02020600000000000000" pitchFamily="18" charset="-128"/>
-                <a:ea typeface="FOT-ニューロダン Pro M" panose="02020600000000000000" pitchFamily="18" charset="-128"/>
-              </a:rPr>
-              <a:t>の</a:t>
-            </a:r>
-            <a:r>
-              <a:rPr lang="ja-JP" altLang="en-US" sz="2400" dirty="0" smtClean="0">
-                <a:latin typeface="FOT-ニューロダン Pro M" panose="02020600000000000000" pitchFamily="18" charset="-128"/>
-                <a:ea typeface="FOT-ニューロダン Pro M" panose="02020600000000000000" pitchFamily="18" charset="-128"/>
-              </a:rPr>
-              <a:t>は</a:t>
+                <a:latin typeface="FOT-ニューロダン Pro M" panose="02020600000000000000" pitchFamily="18" charset="-128"/>
+                <a:ea typeface="FOT-ニューロダン Pro M" panose="02020600000000000000" pitchFamily="18" charset="-128"/>
+              </a:rPr>
+              <a:t>できるのは</a:t>
             </a:r>
             <a:r>
               <a:rPr lang="en-US" altLang="ja-JP" sz="2400" dirty="0" smtClean="0">
@@ -12772,14 +12576,7 @@
                 <a:latin typeface="FOT-ニューロダン Pro M" panose="02020600000000000000" pitchFamily="18" charset="-128"/>
                 <a:ea typeface="FOT-ニューロダン Pro M" panose="02020600000000000000" pitchFamily="18" charset="-128"/>
               </a:rPr>
-              <a:t>スマートフォンアプリのなかには</a:t>
-            </a:r>
-            <a:r>
-              <a:rPr lang="ja-JP" altLang="en-US" sz="1600" dirty="0" smtClean="0">
-                <a:latin typeface="FOT-ニューロダン Pro M" panose="02020600000000000000" pitchFamily="18" charset="-128"/>
-                <a:ea typeface="FOT-ニューロダン Pro M" panose="02020600000000000000" pitchFamily="18" charset="-128"/>
-              </a:rPr>
-              <a:t>，個人</a:t>
+              <a:t>スマートフォンアプリのなかには，個人</a:t>
             </a:r>
             <a:r>
               <a:rPr lang="ja-JP" altLang="en-US" sz="1600" dirty="0">
@@ -12896,14 +12693,7 @@
                 <a:latin typeface="FOT-ニューロダン Pro M" panose="02020600000000000000" pitchFamily="18" charset="-128"/>
                 <a:ea typeface="FOT-ニューロダン Pro M" panose="02020600000000000000" pitchFamily="18" charset="-128"/>
               </a:rPr>
-              <a:t>ではユーザ識別のために</a:t>
-            </a:r>
-            <a:r>
-              <a:rPr lang="ja-JP" altLang="en-US" sz="1600" dirty="0" smtClean="0">
-                <a:latin typeface="FOT-ニューロダン Pro M" panose="02020600000000000000" pitchFamily="18" charset="-128"/>
-                <a:ea typeface="FOT-ニューロダン Pro M" panose="02020600000000000000" pitchFamily="18" charset="-128"/>
-              </a:rPr>
-              <a:t>，</a:t>
+              <a:t>ではユーザ識別のために，</a:t>
             </a:r>
             <a:r>
               <a:rPr lang="en-US" altLang="ja-JP" sz="1600" dirty="0">
@@ -12986,42 +12776,21 @@
                 <a:latin typeface="FOT-ニューロダン Pro M" panose="02020600000000000000" pitchFamily="18" charset="-128"/>
                 <a:ea typeface="FOT-ニューロダン Pro M" panose="02020600000000000000" pitchFamily="18" charset="-128"/>
               </a:rPr>
-              <a:t>し，</a:t>
+              <a:t>し，端末に</a:t>
+            </a:r>
+            <a:r>
+              <a:rPr lang="en-US" altLang="ja-JP" sz="1600" dirty="0" smtClean="0">
+                <a:latin typeface="FOT-ニューロダン Pro M" panose="02020600000000000000" pitchFamily="18" charset="-128"/>
+                <a:ea typeface="FOT-ニューロダン Pro M" panose="02020600000000000000" pitchFamily="18" charset="-128"/>
+              </a:rPr>
+              <a:t>ID</a:t>
             </a:r>
             <a:r>
               <a:rPr lang="ja-JP" altLang="en-US" sz="1600" dirty="0" smtClean="0">
                 <a:latin typeface="FOT-ニューロダン Pro M" panose="02020600000000000000" pitchFamily="18" charset="-128"/>
                 <a:ea typeface="FOT-ニューロダン Pro M" panose="02020600000000000000" pitchFamily="18" charset="-128"/>
               </a:rPr>
-              <a:t>端末</a:t>
-            </a:r>
-            <a:r>
-              <a:rPr lang="ja-JP" altLang="en-US" sz="1600" dirty="0" smtClean="0">
-                <a:latin typeface="FOT-ニューロダン Pro M" panose="02020600000000000000" pitchFamily="18" charset="-128"/>
-                <a:ea typeface="FOT-ニューロダン Pro M" panose="02020600000000000000" pitchFamily="18" charset="-128"/>
-              </a:rPr>
-              <a:t>に</a:t>
-            </a:r>
-            <a:r>
-              <a:rPr lang="en-US" altLang="ja-JP" sz="1600" dirty="0" smtClean="0">
-                <a:latin typeface="FOT-ニューロダン Pro M" panose="02020600000000000000" pitchFamily="18" charset="-128"/>
-                <a:ea typeface="FOT-ニューロダン Pro M" panose="02020600000000000000" pitchFamily="18" charset="-128"/>
-              </a:rPr>
-              <a:t>ID</a:t>
-            </a:r>
-            <a:r>
-              <a:rPr lang="ja-JP" altLang="en-US" sz="1600" dirty="0" smtClean="0">
-                <a:latin typeface="FOT-ニューロダン Pro M" panose="02020600000000000000" pitchFamily="18" charset="-128"/>
-                <a:ea typeface="FOT-ニューロダン Pro M" panose="02020600000000000000" pitchFamily="18" charset="-128"/>
-              </a:rPr>
-              <a:t>を</a:t>
-            </a:r>
-            <a:r>
-              <a:rPr lang="ja-JP" altLang="en-US" sz="1600" dirty="0" smtClean="0">
-                <a:latin typeface="FOT-ニューロダン Pro M" panose="02020600000000000000" pitchFamily="18" charset="-128"/>
-                <a:ea typeface="FOT-ニューロダン Pro M" panose="02020600000000000000" pitchFamily="18" charset="-128"/>
-              </a:rPr>
-              <a:t>付与します。</a:t>
+              <a:t>を付与します。</a:t>
             </a:r>
             <a:endParaRPr lang="en-US" altLang="ja-JP" sz="1600" dirty="0" smtClean="0">
               <a:latin typeface="FOT-ニューロダン Pro M" panose="02020600000000000000" pitchFamily="18" charset="-128"/>
@@ -13164,14 +12933,7 @@
                 <a:latin typeface="FOT-ニューロダン Pro M" panose="02020600000000000000" pitchFamily="18" charset="-128"/>
                 <a:ea typeface="FOT-ニューロダン Pro M" panose="02020600000000000000" pitchFamily="18" charset="-128"/>
               </a:rPr>
-              <a:t>と紐付けされます</a:t>
-            </a:r>
-            <a:r>
-              <a:rPr lang="ja-JP" altLang="en-US" sz="1600" dirty="0" smtClean="0">
-                <a:latin typeface="FOT-ニューロダン Pro M" panose="02020600000000000000" pitchFamily="18" charset="-128"/>
-                <a:ea typeface="FOT-ニューロダン Pro M" panose="02020600000000000000" pitchFamily="18" charset="-128"/>
-              </a:rPr>
-              <a:t>。</a:t>
+              <a:t>と紐付けされます。</a:t>
             </a:r>
             <a:endParaRPr lang="en-US" altLang="ja-JP" sz="1600" dirty="0" smtClean="0">
               <a:latin typeface="FOT-ニューロダン Pro M" panose="02020600000000000000" pitchFamily="18" charset="-128"/>
@@ -13314,14 +13076,7 @@
                 <a:latin typeface="G-OTF 新丸ゴ Pro L" pitchFamily="34" charset="-128"/>
                 <a:ea typeface="G-OTF 新丸ゴ Pro L" pitchFamily="34" charset="-128"/>
               </a:rPr>
-              <a:t>アドレスのみ</a:t>
-            </a:r>
-            <a:r>
-              <a:rPr kumimoji="1" lang="ja-JP" altLang="en-US" sz="1200" dirty="0" smtClean="0">
-                <a:latin typeface="G-OTF 新丸ゴ Pro L" pitchFamily="34" charset="-128"/>
-                <a:ea typeface="G-OTF 新丸ゴ Pro L" pitchFamily="34" charset="-128"/>
-              </a:rPr>
-              <a:t>ではユーザーを特定することは不可能なため個人情報とはみなしません。</a:t>
+              <a:t>アドレスのみではユーザーを特定することは不可能なため個人情報とはみなしません。</a:t>
             </a:r>
             <a:endParaRPr kumimoji="1" lang="en-US" altLang="ja-JP" sz="1200" dirty="0" smtClean="0">
               <a:latin typeface="G-OTF 新丸ゴ Pro L" pitchFamily="34" charset="-128"/>
@@ -13341,28 +13096,14 @@
                 <a:latin typeface="G-OTF 新丸ゴ Pro L" pitchFamily="34" charset="-128"/>
                 <a:ea typeface="G-OTF 新丸ゴ Pro L" pitchFamily="34" charset="-128"/>
               </a:rPr>
-              <a:t>   </a:t>
-            </a:r>
-            <a:r>
-              <a:rPr lang="en-US" altLang="ja-JP" sz="1200" dirty="0" smtClean="0">
-                <a:latin typeface="G-OTF 新丸ゴ Pro L" pitchFamily="34" charset="-128"/>
-                <a:ea typeface="G-OTF 新丸ゴ Pro L" pitchFamily="34" charset="-128"/>
-              </a:rPr>
-              <a:t>  </a:t>
+              <a:t>     </a:t>
             </a:r>
             <a:r>
               <a:rPr lang="ja-JP" altLang="en-US" sz="1200" dirty="0" smtClean="0">
                 <a:latin typeface="G-OTF 新丸ゴ Pro L" pitchFamily="34" charset="-128"/>
                 <a:ea typeface="G-OTF 新丸ゴ Pro L" pitchFamily="34" charset="-128"/>
               </a:rPr>
-              <a:t>マルチアカウント</a:t>
-            </a:r>
-            <a:r>
-              <a:rPr lang="ja-JP" altLang="en-US" sz="1200" dirty="0" smtClean="0">
-                <a:latin typeface="G-OTF 新丸ゴ Pro L" pitchFamily="34" charset="-128"/>
-                <a:ea typeface="G-OTF 新丸ゴ Pro L" pitchFamily="34" charset="-128"/>
-              </a:rPr>
-              <a:t>保有の抑止，ユーザー</a:t>
+              <a:t>マルチアカウント保有の抑止，ユーザー</a:t>
             </a:r>
             <a:r>
               <a:rPr lang="en-US" altLang="ja-JP" sz="1200" dirty="0" smtClean="0">
@@ -13407,7 +13148,7 @@
         </p:blipFill>
         <p:spPr>
           <a:xfrm>
-            <a:off x="4172984" y="2937313"/>
+            <a:off x="4184486" y="3023577"/>
             <a:ext cx="5393213" cy="2948065"/>
           </a:xfrm>
           <a:prstGeom prst="rect">
@@ -13534,21 +13275,7 @@
                 <a:latin typeface="FOT-ニューロダン Pro M" panose="02020600000000000000" pitchFamily="18" charset="-128"/>
                 <a:ea typeface="FOT-ニューロダン Pro M" panose="02020600000000000000" pitchFamily="18" charset="-128"/>
               </a:rPr>
-              <a:t>近年，スマートフォン</a:t>
-            </a:r>
-            <a:r>
-              <a:rPr lang="ja-JP" altLang="en-US" sz="1800" dirty="0" smtClean="0">
-                <a:latin typeface="FOT-ニューロダン Pro M" panose="02020600000000000000" pitchFamily="18" charset="-128"/>
-                <a:ea typeface="FOT-ニューロダン Pro M" panose="02020600000000000000" pitchFamily="18" charset="-128"/>
-              </a:rPr>
-              <a:t>を短期間で</a:t>
-            </a:r>
-            <a:r>
-              <a:rPr lang="ja-JP" altLang="en-US" sz="1800" dirty="0" smtClean="0">
-                <a:latin typeface="FOT-ニューロダン Pro M" panose="02020600000000000000" pitchFamily="18" charset="-128"/>
-                <a:ea typeface="FOT-ニューロダン Pro M" panose="02020600000000000000" pitchFamily="18" charset="-128"/>
-              </a:rPr>
-              <a:t>変更する人が増えています。</a:t>
+              <a:t>近年，スマートフォンを短期間で変更する人が増えています。</a:t>
             </a:r>
             <a:endParaRPr lang="en-US" altLang="ja-JP" sz="1800" dirty="0" smtClean="0">
               <a:latin typeface="FOT-ニューロダン Pro M" panose="02020600000000000000" pitchFamily="18" charset="-128"/>
@@ -13656,14 +13383,7 @@
                 <a:latin typeface="FOT-ニューロダン Pro M" panose="02020600000000000000" pitchFamily="18" charset="-128"/>
                 <a:ea typeface="FOT-ニューロダン Pro M" panose="02020600000000000000" pitchFamily="18" charset="-128"/>
               </a:rPr>
-              <a:t>で，機種変更時用</a:t>
-            </a:r>
-            <a:r>
-              <a:rPr lang="ja-JP" altLang="en-US" sz="1800" dirty="0" smtClean="0">
-                <a:latin typeface="FOT-ニューロダン Pro M" panose="02020600000000000000" pitchFamily="18" charset="-128"/>
-                <a:ea typeface="FOT-ニューロダン Pro M" panose="02020600000000000000" pitchFamily="18" charset="-128"/>
-              </a:rPr>
-              <a:t>の可聴音ノイズを発生します。</a:t>
+              <a:t>で，機種変更時用の可聴音ノイズを発生します。</a:t>
             </a:r>
             <a:r>
               <a:rPr lang="en-US" altLang="ja-JP" sz="1800" dirty="0" smtClean="0">
@@ -13683,21 +13403,7 @@
                 <a:latin typeface="FOT-ニューロダン Pro M" panose="02020600000000000000" pitchFamily="18" charset="-128"/>
                 <a:ea typeface="FOT-ニューロダン Pro M" panose="02020600000000000000" pitchFamily="18" charset="-128"/>
               </a:rPr>
-              <a:t>その可聴音ノイズ</a:t>
-            </a:r>
-            <a:r>
-              <a:rPr lang="ja-JP" altLang="en-US" sz="1800" dirty="0" smtClean="0">
-                <a:latin typeface="FOT-ニューロダン Pro M" panose="02020600000000000000" pitchFamily="18" charset="-128"/>
-                <a:ea typeface="FOT-ニューロダン Pro M" panose="02020600000000000000" pitchFamily="18" charset="-128"/>
-              </a:rPr>
-              <a:t>を新端末で聞き取らせるだけ</a:t>
-            </a:r>
-            <a:r>
-              <a:rPr lang="ja-JP" altLang="en-US" sz="1800" dirty="0" smtClean="0">
-                <a:latin typeface="FOT-ニューロダン Pro M" panose="02020600000000000000" pitchFamily="18" charset="-128"/>
-                <a:ea typeface="FOT-ニューロダン Pro M" panose="02020600000000000000" pitchFamily="18" charset="-128"/>
-              </a:rPr>
-              <a:t>で移行が完了します。</a:t>
+              <a:t>その可聴音ノイズを新端末で聞き取らせるだけで移行が完了します。</a:t>
             </a:r>
             <a:endParaRPr lang="en-US" altLang="ja-JP" sz="1800" dirty="0" smtClean="0">
               <a:latin typeface="FOT-ニューロダン Pro M" panose="02020600000000000000" pitchFamily="18" charset="-128"/>
